--- a/figures/R_figs/S1.pptx
+++ b/figures/R_figs/S1.pptx
@@ -104,6 +104,11 @@
       </a:defRPr>
     </a:lvl9pPr>
   </p:defaultTextStyle>
+  <p:extLst>
+    <p:ext uri="{EFAFB233-063F-42B5-8137-9DF3F51BA10A}">
+      <p15:sldGuideLst xmlns:p15="http://schemas.microsoft.com/office/powerpoint/2012/main"/>
+    </p:ext>
+  </p:extLst>
 </p:presentation>
 </file>
 
@@ -238,7 +243,7 @@
           <a:p>
             <a:fld id="{452FAFD1-9722-A94D-A9A0-91A4EF521BAC}" type="datetimeFigureOut">
               <a:rPr lang="en-US" smtClean="0"/>
-              <a:t>8/17/23</a:t>
+              <a:t>8/19/23</a:t>
             </a:fld>
             <a:endParaRPr lang="en-US"/>
           </a:p>
@@ -408,7 +413,7 @@
           <a:p>
             <a:fld id="{452FAFD1-9722-A94D-A9A0-91A4EF521BAC}" type="datetimeFigureOut">
               <a:rPr lang="en-US" smtClean="0"/>
-              <a:t>8/17/23</a:t>
+              <a:t>8/19/23</a:t>
             </a:fld>
             <a:endParaRPr lang="en-US"/>
           </a:p>
@@ -588,7 +593,7 @@
           <a:p>
             <a:fld id="{452FAFD1-9722-A94D-A9A0-91A4EF521BAC}" type="datetimeFigureOut">
               <a:rPr lang="en-US" smtClean="0"/>
-              <a:t>8/17/23</a:t>
+              <a:t>8/19/23</a:t>
             </a:fld>
             <a:endParaRPr lang="en-US"/>
           </a:p>
@@ -758,7 +763,7 @@
           <a:p>
             <a:fld id="{452FAFD1-9722-A94D-A9A0-91A4EF521BAC}" type="datetimeFigureOut">
               <a:rPr lang="en-US" smtClean="0"/>
-              <a:t>8/17/23</a:t>
+              <a:t>8/19/23</a:t>
             </a:fld>
             <a:endParaRPr lang="en-US"/>
           </a:p>
@@ -1004,7 +1009,7 @@
           <a:p>
             <a:fld id="{452FAFD1-9722-A94D-A9A0-91A4EF521BAC}" type="datetimeFigureOut">
               <a:rPr lang="en-US" smtClean="0"/>
-              <a:t>8/17/23</a:t>
+              <a:t>8/19/23</a:t>
             </a:fld>
             <a:endParaRPr lang="en-US"/>
           </a:p>
@@ -1236,7 +1241,7 @@
           <a:p>
             <a:fld id="{452FAFD1-9722-A94D-A9A0-91A4EF521BAC}" type="datetimeFigureOut">
               <a:rPr lang="en-US" smtClean="0"/>
-              <a:t>8/17/23</a:t>
+              <a:t>8/19/23</a:t>
             </a:fld>
             <a:endParaRPr lang="en-US"/>
           </a:p>
@@ -1603,7 +1608,7 @@
           <a:p>
             <a:fld id="{452FAFD1-9722-A94D-A9A0-91A4EF521BAC}" type="datetimeFigureOut">
               <a:rPr lang="en-US" smtClean="0"/>
-              <a:t>8/17/23</a:t>
+              <a:t>8/19/23</a:t>
             </a:fld>
             <a:endParaRPr lang="en-US"/>
           </a:p>
@@ -1721,7 +1726,7 @@
           <a:p>
             <a:fld id="{452FAFD1-9722-A94D-A9A0-91A4EF521BAC}" type="datetimeFigureOut">
               <a:rPr lang="en-US" smtClean="0"/>
-              <a:t>8/17/23</a:t>
+              <a:t>8/19/23</a:t>
             </a:fld>
             <a:endParaRPr lang="en-US"/>
           </a:p>
@@ -1816,7 +1821,7 @@
           <a:p>
             <a:fld id="{452FAFD1-9722-A94D-A9A0-91A4EF521BAC}" type="datetimeFigureOut">
               <a:rPr lang="en-US" smtClean="0"/>
-              <a:t>8/17/23</a:t>
+              <a:t>8/19/23</a:t>
             </a:fld>
             <a:endParaRPr lang="en-US"/>
           </a:p>
@@ -2093,7 +2098,7 @@
           <a:p>
             <a:fld id="{452FAFD1-9722-A94D-A9A0-91A4EF521BAC}" type="datetimeFigureOut">
               <a:rPr lang="en-US" smtClean="0"/>
-              <a:t>8/17/23</a:t>
+              <a:t>8/19/23</a:t>
             </a:fld>
             <a:endParaRPr lang="en-US"/>
           </a:p>
@@ -2350,7 +2355,7 @@
           <a:p>
             <a:fld id="{452FAFD1-9722-A94D-A9A0-91A4EF521BAC}" type="datetimeFigureOut">
               <a:rPr lang="en-US" smtClean="0"/>
-              <a:t>8/17/23</a:t>
+              <a:t>8/19/23</a:t>
             </a:fld>
             <a:endParaRPr lang="en-US"/>
           </a:p>
@@ -2563,7 +2568,7 @@
           <a:p>
             <a:fld id="{452FAFD1-9722-A94D-A9A0-91A4EF521BAC}" type="datetimeFigureOut">
               <a:rPr lang="en-US" smtClean="0"/>
-              <a:t>8/17/23</a:t>
+              <a:t>8/19/23</a:t>
             </a:fld>
             <a:endParaRPr lang="en-US"/>
           </a:p>
@@ -2984,9 +2989,8 @@
         </p:nvPicPr>
         <p:blipFill>
           <a:blip r:embed="rId2"/>
-          <a:stretch>
-            <a:fillRect/>
-          </a:stretch>
+          <a:srcRect/>
+          <a:stretch/>
         </p:blipFill>
         <p:spPr>
           <a:xfrm>
@@ -3019,7 +3023,7 @@
         </p:blipFill>
         <p:spPr>
           <a:xfrm>
-            <a:off x="1803400" y="0"/>
+            <a:off x="1637908" y="0"/>
             <a:ext cx="7772400" cy="3657600"/>
           </a:xfrm>
           <a:prstGeom prst="rect">
@@ -3029,10 +3033,10 @@
       </p:pic>
       <p:pic>
         <p:nvPicPr>
-          <p:cNvPr id="8" name="Picture 7">
+          <p:cNvPr id="2" name="Picture 1">
             <a:extLst>
               <a:ext uri="{FF2B5EF4-FFF2-40B4-BE49-F238E27FC236}">
-                <a16:creationId xmlns:a16="http://schemas.microsoft.com/office/drawing/2014/main" id="{5988E1A8-70E3-612F-E017-0F08634748B1}"/>
+                <a16:creationId xmlns:a16="http://schemas.microsoft.com/office/drawing/2014/main" id="{9819C902-C044-39FF-5EE6-C51DDEABF100}"/>
               </a:ext>
             </a:extLst>
           </p:cNvPr>
@@ -3043,13 +3047,13 @@
         </p:nvPicPr>
         <p:blipFill rotWithShape="1">
           <a:blip r:embed="rId4"/>
-          <a:srcRect l="57143"/>
+          <a:srcRect l="51179"/>
           <a:stretch/>
         </p:blipFill>
         <p:spPr>
           <a:xfrm>
-            <a:off x="9575800" y="0"/>
-            <a:ext cx="1371600" cy="3657600"/>
+            <a:off x="9410308" y="0"/>
+            <a:ext cx="1562494" cy="3657600"/>
           </a:xfrm>
           <a:prstGeom prst="rect">
             <a:avLst/>
